--- a/design/PhoenixUI.pptx
+++ b/design/PhoenixUI.pptx
@@ -104,6 +104,11 @@
       </a:defRPr>
     </a:lvl9pPr>
   </p:defaultTextStyle>
+  <p:extLst>
+    <p:ext uri="{EFAFB233-063F-42B5-8137-9DF3F51BA10A}">
+      <p15:sldGuideLst xmlns:p15="http://schemas.microsoft.com/office/powerpoint/2012/main"/>
+    </p:ext>
+  </p:extLst>
 </p:presentation>
 </file>
 
@@ -238,7 +243,7 @@
           <a:p>
             <a:fld id="{D51F2913-FEA9-4FFC-85AF-8F6AA5D1FAE8}" type="datetimeFigureOut">
               <a:rPr lang="zh-CN" altLang="en-US" smtClean="0"/>
-              <a:t>2014/11/30</a:t>
+              <a:t>2014/12/1</a:t>
             </a:fld>
             <a:endParaRPr lang="zh-CN" altLang="en-US"/>
           </a:p>
@@ -408,7 +413,7 @@
           <a:p>
             <a:fld id="{D51F2913-FEA9-4FFC-85AF-8F6AA5D1FAE8}" type="datetimeFigureOut">
               <a:rPr lang="zh-CN" altLang="en-US" smtClean="0"/>
-              <a:t>2014/11/30</a:t>
+              <a:t>2014/12/1</a:t>
             </a:fld>
             <a:endParaRPr lang="zh-CN" altLang="en-US"/>
           </a:p>
@@ -588,7 +593,7 @@
           <a:p>
             <a:fld id="{D51F2913-FEA9-4FFC-85AF-8F6AA5D1FAE8}" type="datetimeFigureOut">
               <a:rPr lang="zh-CN" altLang="en-US" smtClean="0"/>
-              <a:t>2014/11/30</a:t>
+              <a:t>2014/12/1</a:t>
             </a:fld>
             <a:endParaRPr lang="zh-CN" altLang="en-US"/>
           </a:p>
@@ -758,7 +763,7 @@
           <a:p>
             <a:fld id="{D51F2913-FEA9-4FFC-85AF-8F6AA5D1FAE8}" type="datetimeFigureOut">
               <a:rPr lang="zh-CN" altLang="en-US" smtClean="0"/>
-              <a:t>2014/11/30</a:t>
+              <a:t>2014/12/1</a:t>
             </a:fld>
             <a:endParaRPr lang="zh-CN" altLang="en-US"/>
           </a:p>
@@ -1004,7 +1009,7 @@
           <a:p>
             <a:fld id="{D51F2913-FEA9-4FFC-85AF-8F6AA5D1FAE8}" type="datetimeFigureOut">
               <a:rPr lang="zh-CN" altLang="en-US" smtClean="0"/>
-              <a:t>2014/11/30</a:t>
+              <a:t>2014/12/1</a:t>
             </a:fld>
             <a:endParaRPr lang="zh-CN" altLang="en-US"/>
           </a:p>
@@ -1236,7 +1241,7 @@
           <a:p>
             <a:fld id="{D51F2913-FEA9-4FFC-85AF-8F6AA5D1FAE8}" type="datetimeFigureOut">
               <a:rPr lang="zh-CN" altLang="en-US" smtClean="0"/>
-              <a:t>2014/11/30</a:t>
+              <a:t>2014/12/1</a:t>
             </a:fld>
             <a:endParaRPr lang="zh-CN" altLang="en-US"/>
           </a:p>
@@ -1603,7 +1608,7 @@
           <a:p>
             <a:fld id="{D51F2913-FEA9-4FFC-85AF-8F6AA5D1FAE8}" type="datetimeFigureOut">
               <a:rPr lang="zh-CN" altLang="en-US" smtClean="0"/>
-              <a:t>2014/11/30</a:t>
+              <a:t>2014/12/1</a:t>
             </a:fld>
             <a:endParaRPr lang="zh-CN" altLang="en-US"/>
           </a:p>
@@ -1721,7 +1726,7 @@
           <a:p>
             <a:fld id="{D51F2913-FEA9-4FFC-85AF-8F6AA5D1FAE8}" type="datetimeFigureOut">
               <a:rPr lang="zh-CN" altLang="en-US" smtClean="0"/>
-              <a:t>2014/11/30</a:t>
+              <a:t>2014/12/1</a:t>
             </a:fld>
             <a:endParaRPr lang="zh-CN" altLang="en-US"/>
           </a:p>
@@ -1816,7 +1821,7 @@
           <a:p>
             <a:fld id="{D51F2913-FEA9-4FFC-85AF-8F6AA5D1FAE8}" type="datetimeFigureOut">
               <a:rPr lang="zh-CN" altLang="en-US" smtClean="0"/>
-              <a:t>2014/11/30</a:t>
+              <a:t>2014/12/1</a:t>
             </a:fld>
             <a:endParaRPr lang="zh-CN" altLang="en-US"/>
           </a:p>
@@ -2093,7 +2098,7 @@
           <a:p>
             <a:fld id="{D51F2913-FEA9-4FFC-85AF-8F6AA5D1FAE8}" type="datetimeFigureOut">
               <a:rPr lang="zh-CN" altLang="en-US" smtClean="0"/>
-              <a:t>2014/11/30</a:t>
+              <a:t>2014/12/1</a:t>
             </a:fld>
             <a:endParaRPr lang="zh-CN" altLang="en-US"/>
           </a:p>
@@ -2346,7 +2351,7 @@
           <a:p>
             <a:fld id="{D51F2913-FEA9-4FFC-85AF-8F6AA5D1FAE8}" type="datetimeFigureOut">
               <a:rPr lang="zh-CN" altLang="en-US" smtClean="0"/>
-              <a:t>2014/11/30</a:t>
+              <a:t>2014/12/1</a:t>
             </a:fld>
             <a:endParaRPr lang="zh-CN" altLang="en-US"/>
           </a:p>
@@ -2559,7 +2564,7 @@
           <a:p>
             <a:fld id="{D51F2913-FEA9-4FFC-85AF-8F6AA5D1FAE8}" type="datetimeFigureOut">
               <a:rPr lang="zh-CN" altLang="en-US" smtClean="0"/>
-              <a:t>2014/11/30</a:t>
+              <a:t>2014/12/1</a:t>
             </a:fld>
             <a:endParaRPr lang="zh-CN" altLang="en-US"/>
           </a:p>
@@ -4291,6 +4296,78 @@
               <a:t>main</a:t>
             </a:r>
             <a:r>
+              <a:rPr lang="en-US" altLang="zh-CN" dirty="0" smtClean="0">
+                <a:solidFill>
+                  <a:srgbClr val="7030A0"/>
+                </a:solidFill>
+              </a:rPr>
+              <a:t>(</a:t>
+            </a:r>
+            <a:r>
+              <a:rPr lang="en-US" altLang="zh-CN" dirty="0" smtClean="0">
+                <a:solidFill>
+                  <a:srgbClr val="00B050"/>
+                </a:solidFill>
+              </a:rPr>
+              <a:t>int </a:t>
+            </a:r>
+            <a:r>
+              <a:rPr lang="en-US" altLang="zh-CN" dirty="0" smtClean="0">
+                <a:solidFill>
+                  <a:schemeClr val="tx1"/>
+                </a:solidFill>
+              </a:rPr>
+              <a:t>argc</a:t>
+            </a:r>
+            <a:r>
+              <a:rPr lang="en-US" altLang="zh-CN" dirty="0" smtClean="0">
+                <a:solidFill>
+                  <a:srgbClr val="7030A0"/>
+                </a:solidFill>
+              </a:rPr>
+              <a:t>,</a:t>
+            </a:r>
+            <a:r>
+              <a:rPr lang="en-US" altLang="zh-CN" dirty="0" smtClean="0">
+                <a:solidFill>
+                  <a:srgbClr val="00B050"/>
+                </a:solidFill>
+              </a:rPr>
+              <a:t>char</a:t>
+            </a:r>
+            <a:r>
+              <a:rPr lang="en-US" altLang="zh-CN" dirty="0">
+                <a:solidFill>
+                  <a:srgbClr val="7030A0"/>
+                </a:solidFill>
+              </a:rPr>
+              <a:t> </a:t>
+            </a:r>
+            <a:r>
+              <a:rPr lang="en-US" altLang="zh-CN" dirty="0" smtClean="0">
+                <a:solidFill>
+                  <a:srgbClr val="C00000"/>
+                </a:solidFill>
+              </a:rPr>
+              <a:t>*</a:t>
+            </a:r>
+            <a:r>
+              <a:rPr lang="en-US" altLang="zh-CN" dirty="0" smtClean="0">
+                <a:solidFill>
+                  <a:schemeClr val="tx1"/>
+                </a:solidFill>
+              </a:rPr>
+              <a:t>argv</a:t>
+            </a:r>
+            <a:r>
+              <a:rPr lang="en-US" altLang="zh-CN" dirty="0" smtClean="0">
+                <a:solidFill>
+                  <a:srgbClr val="7030A0"/>
+                </a:solidFill>
+              </a:rPr>
+              <a:t>[])</a:t>
+            </a:r>
+            <a:r>
               <a:rPr lang="en-US" altLang="zh-CN" dirty="0" smtClean="0"/>
               <a:t>()</a:t>
             </a:r>

--- a/design/PhoenixUI.pptx
+++ b/design/PhoenixUI.pptx
@@ -243,7 +243,7 @@
           <a:p>
             <a:fld id="{D51F2913-FEA9-4FFC-85AF-8F6AA5D1FAE8}" type="datetimeFigureOut">
               <a:rPr lang="zh-CN" altLang="en-US" smtClean="0"/>
-              <a:t>2014/12/1</a:t>
+              <a:t>2015/6/8</a:t>
             </a:fld>
             <a:endParaRPr lang="zh-CN" altLang="en-US"/>
           </a:p>
@@ -413,7 +413,7 @@
           <a:p>
             <a:fld id="{D51F2913-FEA9-4FFC-85AF-8F6AA5D1FAE8}" type="datetimeFigureOut">
               <a:rPr lang="zh-CN" altLang="en-US" smtClean="0"/>
-              <a:t>2014/12/1</a:t>
+              <a:t>2015/6/8</a:t>
             </a:fld>
             <a:endParaRPr lang="zh-CN" altLang="en-US"/>
           </a:p>
@@ -593,7 +593,7 @@
           <a:p>
             <a:fld id="{D51F2913-FEA9-4FFC-85AF-8F6AA5D1FAE8}" type="datetimeFigureOut">
               <a:rPr lang="zh-CN" altLang="en-US" smtClean="0"/>
-              <a:t>2014/12/1</a:t>
+              <a:t>2015/6/8</a:t>
             </a:fld>
             <a:endParaRPr lang="zh-CN" altLang="en-US"/>
           </a:p>
@@ -763,7 +763,7 @@
           <a:p>
             <a:fld id="{D51F2913-FEA9-4FFC-85AF-8F6AA5D1FAE8}" type="datetimeFigureOut">
               <a:rPr lang="zh-CN" altLang="en-US" smtClean="0"/>
-              <a:t>2014/12/1</a:t>
+              <a:t>2015/6/8</a:t>
             </a:fld>
             <a:endParaRPr lang="zh-CN" altLang="en-US"/>
           </a:p>
@@ -1009,7 +1009,7 @@
           <a:p>
             <a:fld id="{D51F2913-FEA9-4FFC-85AF-8F6AA5D1FAE8}" type="datetimeFigureOut">
               <a:rPr lang="zh-CN" altLang="en-US" smtClean="0"/>
-              <a:t>2014/12/1</a:t>
+              <a:t>2015/6/8</a:t>
             </a:fld>
             <a:endParaRPr lang="zh-CN" altLang="en-US"/>
           </a:p>
@@ -1241,7 +1241,7 @@
           <a:p>
             <a:fld id="{D51F2913-FEA9-4FFC-85AF-8F6AA5D1FAE8}" type="datetimeFigureOut">
               <a:rPr lang="zh-CN" altLang="en-US" smtClean="0"/>
-              <a:t>2014/12/1</a:t>
+              <a:t>2015/6/8</a:t>
             </a:fld>
             <a:endParaRPr lang="zh-CN" altLang="en-US"/>
           </a:p>
@@ -1608,7 +1608,7 @@
           <a:p>
             <a:fld id="{D51F2913-FEA9-4FFC-85AF-8F6AA5D1FAE8}" type="datetimeFigureOut">
               <a:rPr lang="zh-CN" altLang="en-US" smtClean="0"/>
-              <a:t>2014/12/1</a:t>
+              <a:t>2015/6/8</a:t>
             </a:fld>
             <a:endParaRPr lang="zh-CN" altLang="en-US"/>
           </a:p>
@@ -1726,7 +1726,7 @@
           <a:p>
             <a:fld id="{D51F2913-FEA9-4FFC-85AF-8F6AA5D1FAE8}" type="datetimeFigureOut">
               <a:rPr lang="zh-CN" altLang="en-US" smtClean="0"/>
-              <a:t>2014/12/1</a:t>
+              <a:t>2015/6/8</a:t>
             </a:fld>
             <a:endParaRPr lang="zh-CN" altLang="en-US"/>
           </a:p>
@@ -1821,7 +1821,7 @@
           <a:p>
             <a:fld id="{D51F2913-FEA9-4FFC-85AF-8F6AA5D1FAE8}" type="datetimeFigureOut">
               <a:rPr lang="zh-CN" altLang="en-US" smtClean="0"/>
-              <a:t>2014/12/1</a:t>
+              <a:t>2015/6/8</a:t>
             </a:fld>
             <a:endParaRPr lang="zh-CN" altLang="en-US"/>
           </a:p>
@@ -2098,7 +2098,7 @@
           <a:p>
             <a:fld id="{D51F2913-FEA9-4FFC-85AF-8F6AA5D1FAE8}" type="datetimeFigureOut">
               <a:rPr lang="zh-CN" altLang="en-US" smtClean="0"/>
-              <a:t>2014/12/1</a:t>
+              <a:t>2015/6/8</a:t>
             </a:fld>
             <a:endParaRPr lang="zh-CN" altLang="en-US"/>
           </a:p>
@@ -2351,7 +2351,7 @@
           <a:p>
             <a:fld id="{D51F2913-FEA9-4FFC-85AF-8F6AA5D1FAE8}" type="datetimeFigureOut">
               <a:rPr lang="zh-CN" altLang="en-US" smtClean="0"/>
-              <a:t>2014/12/1</a:t>
+              <a:t>2015/6/8</a:t>
             </a:fld>
             <a:endParaRPr lang="zh-CN" altLang="en-US"/>
           </a:p>
@@ -2564,7 +2564,7 @@
           <a:p>
             <a:fld id="{D51F2913-FEA9-4FFC-85AF-8F6AA5D1FAE8}" type="datetimeFigureOut">
               <a:rPr lang="zh-CN" altLang="en-US" smtClean="0"/>
-              <a:t>2014/12/1</a:t>
+              <a:t>2015/6/8</a:t>
             </a:fld>
             <a:endParaRPr lang="zh-CN" altLang="en-US"/>
           </a:p>
@@ -2977,7 +2977,7 @@
         </p:nvSpPr>
         <p:spPr>
           <a:xfrm>
-            <a:off x="1105467" y="196947"/>
+            <a:off x="1093425" y="196947"/>
             <a:ext cx="10112991" cy="6414867"/>
           </a:xfrm>
           <a:prstGeom prst="rect">
@@ -3660,14 +3660,14 @@
           <a:p>
             <a:pPr algn="ctr"/>
             <a:r>
-              <a:rPr lang="en-US" altLang="zh-CN" sz="4800" dirty="0" smtClean="0">
+              <a:rPr lang="en-US" altLang="zh-CN" sz="3600" dirty="0" smtClean="0">
                 <a:solidFill>
                   <a:schemeClr val="tx1"/>
                 </a:solidFill>
               </a:rPr>
               <a:t>-</a:t>
             </a:r>
-            <a:endParaRPr lang="zh-CN" altLang="en-US" sz="4800" dirty="0">
+            <a:endParaRPr lang="zh-CN" altLang="en-US" sz="3600" dirty="0">
               <a:solidFill>
                 <a:schemeClr val="tx1"/>
               </a:solidFill>
@@ -4293,15 +4293,7 @@
                   <a:srgbClr val="7030A0"/>
                 </a:solidFill>
               </a:rPr>
-              <a:t>main</a:t>
-            </a:r>
-            <a:r>
-              <a:rPr lang="en-US" altLang="zh-CN" dirty="0" smtClean="0">
-                <a:solidFill>
-                  <a:srgbClr val="7030A0"/>
-                </a:solidFill>
-              </a:rPr>
-              <a:t>(</a:t>
+              <a:t>main(</a:t>
             </a:r>
             <a:r>
               <a:rPr lang="en-US" altLang="zh-CN" dirty="0" smtClean="0">
